--- a/.github/images/SCAFE.pptx
+++ b/.github/images/SCAFE.pptx
@@ -244,7 +244,7 @@
           <a:p>
             <a:fld id="{E7274CF4-3425-4841-B66A-6A80863C1510}" type="datetimeFigureOut">
               <a:rPr lang="en-JP" smtClean="0"/>
-              <a:t>2021/03/13</a:t>
+              <a:t>2021/03/23</a:t>
             </a:fld>
             <a:endParaRPr lang="en-JP"/>
           </a:p>
@@ -414,7 +414,7 @@
           <a:p>
             <a:fld id="{E7274CF4-3425-4841-B66A-6A80863C1510}" type="datetimeFigureOut">
               <a:rPr lang="en-JP" smtClean="0"/>
-              <a:t>2021/03/13</a:t>
+              <a:t>2021/03/23</a:t>
             </a:fld>
             <a:endParaRPr lang="en-JP"/>
           </a:p>
@@ -594,7 +594,7 @@
           <a:p>
             <a:fld id="{E7274CF4-3425-4841-B66A-6A80863C1510}" type="datetimeFigureOut">
               <a:rPr lang="en-JP" smtClean="0"/>
-              <a:t>2021/03/13</a:t>
+              <a:t>2021/03/23</a:t>
             </a:fld>
             <a:endParaRPr lang="en-JP"/>
           </a:p>
@@ -764,7 +764,7 @@
           <a:p>
             <a:fld id="{E7274CF4-3425-4841-B66A-6A80863C1510}" type="datetimeFigureOut">
               <a:rPr lang="en-JP" smtClean="0"/>
-              <a:t>2021/03/13</a:t>
+              <a:t>2021/03/23</a:t>
             </a:fld>
             <a:endParaRPr lang="en-JP"/>
           </a:p>
@@ -1008,7 +1008,7 @@
           <a:p>
             <a:fld id="{E7274CF4-3425-4841-B66A-6A80863C1510}" type="datetimeFigureOut">
               <a:rPr lang="en-JP" smtClean="0"/>
-              <a:t>2021/03/13</a:t>
+              <a:t>2021/03/23</a:t>
             </a:fld>
             <a:endParaRPr lang="en-JP"/>
           </a:p>
@@ -1240,7 +1240,7 @@
           <a:p>
             <a:fld id="{E7274CF4-3425-4841-B66A-6A80863C1510}" type="datetimeFigureOut">
               <a:rPr lang="en-JP" smtClean="0"/>
-              <a:t>2021/03/13</a:t>
+              <a:t>2021/03/23</a:t>
             </a:fld>
             <a:endParaRPr lang="en-JP"/>
           </a:p>
@@ -1607,7 +1607,7 @@
           <a:p>
             <a:fld id="{E7274CF4-3425-4841-B66A-6A80863C1510}" type="datetimeFigureOut">
               <a:rPr lang="en-JP" smtClean="0"/>
-              <a:t>2021/03/13</a:t>
+              <a:t>2021/03/23</a:t>
             </a:fld>
             <a:endParaRPr lang="en-JP"/>
           </a:p>
@@ -1725,7 +1725,7 @@
           <a:p>
             <a:fld id="{E7274CF4-3425-4841-B66A-6A80863C1510}" type="datetimeFigureOut">
               <a:rPr lang="en-JP" smtClean="0"/>
-              <a:t>2021/03/13</a:t>
+              <a:t>2021/03/23</a:t>
             </a:fld>
             <a:endParaRPr lang="en-JP"/>
           </a:p>
@@ -1820,7 +1820,7 @@
           <a:p>
             <a:fld id="{E7274CF4-3425-4841-B66A-6A80863C1510}" type="datetimeFigureOut">
               <a:rPr lang="en-JP" smtClean="0"/>
-              <a:t>2021/03/13</a:t>
+              <a:t>2021/03/23</a:t>
             </a:fld>
             <a:endParaRPr lang="en-JP"/>
           </a:p>
@@ -2097,7 +2097,7 @@
           <a:p>
             <a:fld id="{E7274CF4-3425-4841-B66A-6A80863C1510}" type="datetimeFigureOut">
               <a:rPr lang="en-JP" smtClean="0"/>
-              <a:t>2021/03/13</a:t>
+              <a:t>2021/03/23</a:t>
             </a:fld>
             <a:endParaRPr lang="en-JP"/>
           </a:p>
@@ -2354,7 +2354,7 @@
           <a:p>
             <a:fld id="{E7274CF4-3425-4841-B66A-6A80863C1510}" type="datetimeFigureOut">
               <a:rPr lang="en-JP" smtClean="0"/>
-              <a:t>2021/03/13</a:t>
+              <a:t>2021/03/23</a:t>
             </a:fld>
             <a:endParaRPr lang="en-JP"/>
           </a:p>
@@ -2567,7 +2567,7 @@
           <a:p>
             <a:fld id="{E7274CF4-3425-4841-B66A-6A80863C1510}" type="datetimeFigureOut">
               <a:rPr lang="en-JP" smtClean="0"/>
-              <a:t>2021/03/13</a:t>
+              <a:t>2021/03/23</a:t>
             </a:fld>
             <a:endParaRPr lang="en-JP"/>
           </a:p>
@@ -3298,10 +3298,10 @@
       </p:grpSpPr>
       <p:pic>
         <p:nvPicPr>
-          <p:cNvPr id="12" name="Picture 11" descr="Chart, surface chart&#10;&#10;Description automatically generated">
+          <p:cNvPr id="3" name="Picture 2" descr="Diagram&#10;&#10;Description automatically generated">
             <a:extLst>
               <a:ext uri="{FF2B5EF4-FFF2-40B4-BE49-F238E27FC236}">
-                <a16:creationId xmlns:a16="http://schemas.microsoft.com/office/drawing/2014/main" id="{38AE8C48-841C-8344-B26D-CCDE238B532A}"/>
+                <a16:creationId xmlns:a16="http://schemas.microsoft.com/office/drawing/2014/main" id="{4F564AA8-CEC1-BF42-9673-9974575B54F4}"/>
               </a:ext>
             </a:extLst>
           </p:cNvPr>
@@ -3318,8 +3318,8 @@
         </p:blipFill>
         <p:spPr>
           <a:xfrm>
-            <a:off x="4349435" y="194783"/>
-            <a:ext cx="2849878" cy="4286955"/>
+            <a:off x="300839" y="254219"/>
+            <a:ext cx="3632703" cy="4285923"/>
           </a:xfrm>
           <a:prstGeom prst="rect">
             <a:avLst/>
@@ -3328,10 +3328,10 @@
       </p:pic>
       <p:pic>
         <p:nvPicPr>
-          <p:cNvPr id="10" name="Picture 9" descr="Diagram&#10;&#10;Description automatically generated">
+          <p:cNvPr id="12" name="Picture 11" descr="Chart, surface chart&#10;&#10;Description automatically generated">
             <a:extLst>
               <a:ext uri="{FF2B5EF4-FFF2-40B4-BE49-F238E27FC236}">
-                <a16:creationId xmlns:a16="http://schemas.microsoft.com/office/drawing/2014/main" id="{68279ACC-E53F-2243-9737-745951BC1250}"/>
+                <a16:creationId xmlns:a16="http://schemas.microsoft.com/office/drawing/2014/main" id="{38AE8C48-841C-8344-B26D-CCDE238B532A}"/>
               </a:ext>
             </a:extLst>
           </p:cNvPr>
@@ -3348,8 +3348,8 @@
         </p:blipFill>
         <p:spPr>
           <a:xfrm>
-            <a:off x="27055" y="183961"/>
-            <a:ext cx="4352681" cy="4352681"/>
+            <a:off x="4035616" y="194783"/>
+            <a:ext cx="2849878" cy="4286955"/>
           </a:xfrm>
           <a:prstGeom prst="rect">
             <a:avLst/>
@@ -3370,7 +3370,7 @@
         </p:nvSpPr>
         <p:spPr>
           <a:xfrm>
-            <a:off x="-1749" y="124446"/>
+            <a:off x="161116" y="135267"/>
             <a:ext cx="263214" cy="261610"/>
           </a:xfrm>
           <a:prstGeom prst="rect">
@@ -3408,7 +3408,7 @@
         </p:nvSpPr>
         <p:spPr>
           <a:xfrm>
-            <a:off x="4333202" y="124446"/>
+            <a:off x="4019383" y="124446"/>
             <a:ext cx="263214" cy="261610"/>
           </a:xfrm>
           <a:prstGeom prst="rect">
@@ -3446,7 +3446,7 @@
         </p:nvSpPr>
         <p:spPr>
           <a:xfrm>
-            <a:off x="4333202" y="3360917"/>
+            <a:off x="4019383" y="3360917"/>
             <a:ext cx="251992" cy="253916"/>
           </a:xfrm>
           <a:prstGeom prst="rect">
